--- a/Documents/Presentation-Project-Rousseff/Rousseff Restaurant.pptx
+++ b/Documents/Presentation-Project-Rousseff/Rousseff Restaurant.pptx
@@ -4979,7 +4979,7 @@
           <a:p>
             <a:r>
               <a:rPr lang="en-US" dirty="0" smtClean="0"/>
-              <a:t>Tools</a:t>
+              <a:t>Tools and Languages</a:t>
             </a:r>
             <a:endParaRPr lang="en-US" dirty="0"/>
           </a:p>
@@ -5008,7 +5008,7 @@
         </p:blipFill>
         <p:spPr bwMode="auto">
           <a:xfrm>
-            <a:off x="1514475" y="2087034"/>
+            <a:off x="801851" y="2029090"/>
             <a:ext cx="1634066" cy="1634066"/>
           </a:xfrm>
           <a:prstGeom prst="rect">
@@ -5172,7 +5172,7 @@
         </p:blipFill>
         <p:spPr bwMode="auto">
           <a:xfrm>
-            <a:off x="1973581" y="4340913"/>
+            <a:off x="528241" y="4340913"/>
             <a:ext cx="3606534" cy="689798"/>
           </a:xfrm>
           <a:prstGeom prst="rect">
@@ -5213,8 +5213,49 @@
         </p:blipFill>
         <p:spPr bwMode="auto">
           <a:xfrm>
-            <a:off x="8256905" y="3792276"/>
+            <a:off x="8125413" y="3515972"/>
             <a:ext cx="2001520" cy="1787071"/>
+          </a:xfrm>
+          <a:prstGeom prst="rect">
+            <a:avLst/>
+          </a:prstGeom>
+          <a:noFill/>
+          <a:extLst>
+            <a:ext uri="{909E8E84-426E-40DD-AFC4-6F175D3DCCD1}">
+              <a14:hiddenFill xmlns:a14="http://schemas.microsoft.com/office/drawing/2010/main">
+                <a:solidFill>
+                  <a:srgbClr val="FFFFFF"/>
+                </a:solidFill>
+              </a14:hiddenFill>
+            </a:ext>
+          </a:extLst>
+        </p:spPr>
+      </p:pic>
+      <p:pic>
+        <p:nvPicPr>
+          <p:cNvPr id="2050" name="Picture 2" descr="https://www.drupal.org/files/images/OQAAAI1PPrJY0nBALB7mkvju3mkQXqLmzMhxEjeb4gp8aujEUQcLfLyy-Sn4gZdkAas6-k8eYbQlGDE-GCjKfF5gIrUA15jOjFfLRv77VBd5t-WfZURdP9V3PdmT.png"/>
+          <p:cNvPicPr>
+            <a:picLocks noChangeAspect="1" noChangeArrowheads="1"/>
+          </p:cNvPicPr>
+          <p:nvPr/>
+        </p:nvPicPr>
+        <p:blipFill>
+          <a:blip r:embed="rId8">
+            <a:extLst>
+              <a:ext uri="{28A0092B-C50C-407E-A947-70E740481C1C}">
+                <a14:useLocalDpi xmlns:a14="http://schemas.microsoft.com/office/drawing/2010/main" val="0"/>
+              </a:ext>
+            </a:extLst>
+          </a:blip>
+          <a:srcRect/>
+          <a:stretch>
+            <a:fillRect/>
+          </a:stretch>
+        </p:blipFill>
+        <p:spPr bwMode="auto">
+          <a:xfrm>
+            <a:off x="4629997" y="4340913"/>
+            <a:ext cx="2992966" cy="736042"/>
           </a:xfrm>
           <a:prstGeom prst="rect">
             <a:avLst/>
@@ -5418,7 +5459,7 @@
           <p:nvPr>
             <p:extLst>
               <p:ext uri="{D42A27DB-BD31-4B8C-83A1-F6EECF244321}">
-                <p14:modId xmlns:p14="http://schemas.microsoft.com/office/powerpoint/2010/main" val="1871438232"/>
+                <p14:modId xmlns:p14="http://schemas.microsoft.com/office/powerpoint/2010/main" val="3155113009"/>
               </p:ext>
             </p:extLst>
           </p:nvPr>
@@ -5431,7 +5472,7 @@
           <a:graphicData uri="http://schemas.openxmlformats.org/presentationml/2006/ole">
             <mc:AlternateContent xmlns:mc="http://schemas.openxmlformats.org/markup-compatibility/2006">
               <mc:Choice xmlns:v="urn:schemas-microsoft-com:vml" Requires="v">
-                <p:oleObj spid="_x0000_s1026" name="Packager Shell Object" showAsIcon="1" r:id="rId3" imgW="771840" imgH="571320" progId="Package">
+                <p:oleObj spid="_x0000_s1029" name="Packager Shell Object" showAsIcon="1" r:id="rId3" imgW="771840" imgH="571320" progId="Package">
                   <p:embed/>
                 </p:oleObj>
               </mc:Choice>
@@ -5454,6 +5495,63 @@
                       <a:xfrm>
                         <a:off x="2014538" y="2671763"/>
                         <a:ext cx="771525" cy="571500"/>
+                      </a:xfrm>
+                      <a:prstGeom prst="rect">
+                        <a:avLst/>
+                      </a:prstGeom>
+                    </p:spPr>
+                  </p:pic>
+                </p:oleObj>
+              </mc:Fallback>
+            </mc:AlternateContent>
+          </a:graphicData>
+        </a:graphic>
+      </p:graphicFrame>
+      <p:graphicFrame>
+        <p:nvGraphicFramePr>
+          <p:cNvPr id="6" name="Object 5"/>
+          <p:cNvGraphicFramePr>
+            <a:graphicFrameLocks noChangeAspect="1"/>
+          </p:cNvGraphicFramePr>
+          <p:nvPr>
+            <p:extLst>
+              <p:ext uri="{D42A27DB-BD31-4B8C-83A1-F6EECF244321}">
+                <p14:modId xmlns:p14="http://schemas.microsoft.com/office/powerpoint/2010/main" val="4244451044"/>
+              </p:ext>
+            </p:extLst>
+          </p:nvPr>
+        </p:nvGraphicFramePr>
+        <p:xfrm>
+          <a:off x="5475288" y="0"/>
+          <a:ext cx="6081712" cy="6094211"/>
+        </p:xfrm>
+        <a:graphic>
+          <a:graphicData uri="http://schemas.openxmlformats.org/presentationml/2006/ole">
+            <mc:AlternateContent xmlns:mc="http://schemas.openxmlformats.org/markup-compatibility/2006">
+              <mc:Choice xmlns:v="urn:schemas-microsoft-com:vml" Requires="v">
+                <p:oleObj spid="_x0000_s1030" name="Image" r:id="rId5" imgW="12050640" imgH="12075840" progId="Photoshop.Image.13">
+                  <p:embed/>
+                </p:oleObj>
+              </mc:Choice>
+              <mc:Fallback>
+                <p:oleObj name="Image" r:id="rId5" imgW="12050640" imgH="12075840" progId="Photoshop.Image.13">
+                  <p:embed/>
+                  <p:pic>
+                    <p:nvPicPr>
+                      <p:cNvPr id="0" name=""/>
+                      <p:cNvPicPr/>
+                      <p:nvPr/>
+                    </p:nvPicPr>
+                    <p:blipFill>
+                      <a:blip r:embed="rId6"/>
+                      <a:stretch>
+                        <a:fillRect/>
+                      </a:stretch>
+                    </p:blipFill>
+                    <p:spPr>
+                      <a:xfrm>
+                        <a:off x="5475288" y="0"/>
+                        <a:ext cx="6081712" cy="6094211"/>
                       </a:xfrm>
                       <a:prstGeom prst="rect">
                         <a:avLst/>
